--- a/ppt 16-9/0498.体恤忧伤.pptx
+++ b/ppt 16-9/0498.体恤忧伤.pptx
@@ -5,7 +5,7 @@
     <p:sldMasterId id="2147483648" r:id="rId1"/>
   </p:sldMasterIdLst>
   <p:sldIdLst>
-    <p:sldId id="3010" r:id="rId2"/>
+    <p:sldId id="3011" r:id="rId2"/>
   </p:sldIdLst>
   <p:sldSz cx="12192000" cy="6858000"/>
   <p:notesSz cx="6858000" cy="9144000"/>
@@ -129,7 +129,7 @@
           <p:cNvPr id="2" name="标题 1">
             <a:extLst>
               <a:ext uri="{FF2B5EF4-FFF2-40B4-BE49-F238E27FC236}">
-                <a16:creationId xmlns:a16="http://schemas.microsoft.com/office/drawing/2014/main" id="{D2C6EFA8-6D3D-5234-FA89-58158AE97562}"/>
+                <a16:creationId xmlns:a16="http://schemas.microsoft.com/office/drawing/2014/main" id="{35C05576-00EB-4405-640E-B1FFC2E781D9}"/>
               </a:ext>
             </a:extLst>
           </p:cNvPr>
@@ -166,7 +166,7 @@
           <p:cNvPr id="3" name="副标题 2">
             <a:extLst>
               <a:ext uri="{FF2B5EF4-FFF2-40B4-BE49-F238E27FC236}">
-                <a16:creationId xmlns:a16="http://schemas.microsoft.com/office/drawing/2014/main" id="{7CBCC7ED-EE39-7DC4-BA3C-B2B91C4D2C0D}"/>
+                <a16:creationId xmlns:a16="http://schemas.microsoft.com/office/drawing/2014/main" id="{977C8631-2B03-4CBD-C88A-AC5B326DACE7}"/>
               </a:ext>
             </a:extLst>
           </p:cNvPr>
@@ -236,7 +236,7 @@
           <p:cNvPr id="4" name="日期占位符 3">
             <a:extLst>
               <a:ext uri="{FF2B5EF4-FFF2-40B4-BE49-F238E27FC236}">
-                <a16:creationId xmlns:a16="http://schemas.microsoft.com/office/drawing/2014/main" id="{CB3CCA0E-8044-C733-EDC1-01180514F8AC}"/>
+                <a16:creationId xmlns:a16="http://schemas.microsoft.com/office/drawing/2014/main" id="{3D225BD1-24E0-DBFA-DA1D-46FDFF41E835}"/>
               </a:ext>
             </a:extLst>
           </p:cNvPr>
@@ -252,7 +252,7 @@
           <a:bodyPr/>
           <a:lstStyle/>
           <a:p>
-            <a:fld id="{66C39D47-FC93-4052-8738-7298B57C4706}" type="datetimeFigureOut">
+            <a:fld id="{09E381CD-3741-4989-AEEA-A0AA55D70264}" type="datetimeFigureOut">
               <a:rPr lang="zh-CN" altLang="en-US" smtClean="0"/>
               <a:t>2024/3/10</a:t>
             </a:fld>
@@ -265,7 +265,7 @@
           <p:cNvPr id="5" name="页脚占位符 4">
             <a:extLst>
               <a:ext uri="{FF2B5EF4-FFF2-40B4-BE49-F238E27FC236}">
-                <a16:creationId xmlns:a16="http://schemas.microsoft.com/office/drawing/2014/main" id="{A8EABAE0-F7EC-98CB-9E55-DD449E218A5D}"/>
+                <a16:creationId xmlns:a16="http://schemas.microsoft.com/office/drawing/2014/main" id="{3CDEA582-6E92-2C8E-1C2F-59812A1B9269}"/>
               </a:ext>
             </a:extLst>
           </p:cNvPr>
@@ -290,7 +290,7 @@
           <p:cNvPr id="6" name="灯片编号占位符 5">
             <a:extLst>
               <a:ext uri="{FF2B5EF4-FFF2-40B4-BE49-F238E27FC236}">
-                <a16:creationId xmlns:a16="http://schemas.microsoft.com/office/drawing/2014/main" id="{6FD2246C-1BFE-C296-FDA6-AD41F9245F95}"/>
+                <a16:creationId xmlns:a16="http://schemas.microsoft.com/office/drawing/2014/main" id="{194AB451-25EC-0A7B-E673-1B1202774CB9}"/>
               </a:ext>
             </a:extLst>
           </p:cNvPr>
@@ -306,7 +306,7 @@
           <a:bodyPr/>
           <a:lstStyle/>
           <a:p>
-            <a:fld id="{F36D8F97-D9C0-40A0-A31F-173269F7339F}" type="slidenum">
+            <a:fld id="{C8886016-0950-4F61-9564-53AA68C8D8D1}" type="slidenum">
               <a:rPr lang="zh-CN" altLang="en-US" smtClean="0"/>
               <a:t>‹#›</a:t>
             </a:fld>
@@ -317,7 +317,7 @@
     </p:spTree>
     <p:extLst>
       <p:ext uri="{BB962C8B-B14F-4D97-AF65-F5344CB8AC3E}">
-        <p14:creationId xmlns:p14="http://schemas.microsoft.com/office/powerpoint/2010/main" val="1459241562"/>
+        <p14:creationId xmlns:p14="http://schemas.microsoft.com/office/powerpoint/2010/main" val="636402622"/>
       </p:ext>
     </p:extLst>
   </p:cSld>
@@ -349,7 +349,7 @@
           <p:cNvPr id="2" name="标题 1">
             <a:extLst>
               <a:ext uri="{FF2B5EF4-FFF2-40B4-BE49-F238E27FC236}">
-                <a16:creationId xmlns:a16="http://schemas.microsoft.com/office/drawing/2014/main" id="{DFD68472-3800-2C6A-315F-BBC2AB2D74B8}"/>
+                <a16:creationId xmlns:a16="http://schemas.microsoft.com/office/drawing/2014/main" id="{7D2151A7-21A9-8441-6D54-94C883E9589E}"/>
               </a:ext>
             </a:extLst>
           </p:cNvPr>
@@ -377,7 +377,7 @@
           <p:cNvPr id="3" name="竖排文字占位符 2">
             <a:extLst>
               <a:ext uri="{FF2B5EF4-FFF2-40B4-BE49-F238E27FC236}">
-                <a16:creationId xmlns:a16="http://schemas.microsoft.com/office/drawing/2014/main" id="{8531A0A8-57CC-505F-103B-35BA4CA2E09C}"/>
+                <a16:creationId xmlns:a16="http://schemas.microsoft.com/office/drawing/2014/main" id="{258F9B5D-87A9-BE51-AA7D-56728A7E53AC}"/>
               </a:ext>
             </a:extLst>
           </p:cNvPr>
@@ -434,7 +434,7 @@
           <p:cNvPr id="4" name="日期占位符 3">
             <a:extLst>
               <a:ext uri="{FF2B5EF4-FFF2-40B4-BE49-F238E27FC236}">
-                <a16:creationId xmlns:a16="http://schemas.microsoft.com/office/drawing/2014/main" id="{B2F6015B-510B-3207-DA44-792BDDF59AA0}"/>
+                <a16:creationId xmlns:a16="http://schemas.microsoft.com/office/drawing/2014/main" id="{08BE57C6-9C69-577C-73C2-A2039BE7CB47}"/>
               </a:ext>
             </a:extLst>
           </p:cNvPr>
@@ -450,7 +450,7 @@
           <a:bodyPr/>
           <a:lstStyle/>
           <a:p>
-            <a:fld id="{66C39D47-FC93-4052-8738-7298B57C4706}" type="datetimeFigureOut">
+            <a:fld id="{09E381CD-3741-4989-AEEA-A0AA55D70264}" type="datetimeFigureOut">
               <a:rPr lang="zh-CN" altLang="en-US" smtClean="0"/>
               <a:t>2024/3/10</a:t>
             </a:fld>
@@ -463,7 +463,7 @@
           <p:cNvPr id="5" name="页脚占位符 4">
             <a:extLst>
               <a:ext uri="{FF2B5EF4-FFF2-40B4-BE49-F238E27FC236}">
-                <a16:creationId xmlns:a16="http://schemas.microsoft.com/office/drawing/2014/main" id="{8D424638-11DB-B815-8A38-22FC797A44FA}"/>
+                <a16:creationId xmlns:a16="http://schemas.microsoft.com/office/drawing/2014/main" id="{EC7B649B-9D01-EE36-9586-AF9C20605BD2}"/>
               </a:ext>
             </a:extLst>
           </p:cNvPr>
@@ -488,7 +488,7 @@
           <p:cNvPr id="6" name="灯片编号占位符 5">
             <a:extLst>
               <a:ext uri="{FF2B5EF4-FFF2-40B4-BE49-F238E27FC236}">
-                <a16:creationId xmlns:a16="http://schemas.microsoft.com/office/drawing/2014/main" id="{61228E10-4903-03F0-0805-156F00A0FED1}"/>
+                <a16:creationId xmlns:a16="http://schemas.microsoft.com/office/drawing/2014/main" id="{938FD9E8-7B49-BB0E-7E1A-0AB501B3C2FA}"/>
               </a:ext>
             </a:extLst>
           </p:cNvPr>
@@ -504,7 +504,7 @@
           <a:bodyPr/>
           <a:lstStyle/>
           <a:p>
-            <a:fld id="{F36D8F97-D9C0-40A0-A31F-173269F7339F}" type="slidenum">
+            <a:fld id="{C8886016-0950-4F61-9564-53AA68C8D8D1}" type="slidenum">
               <a:rPr lang="zh-CN" altLang="en-US" smtClean="0"/>
               <a:t>‹#›</a:t>
             </a:fld>
@@ -515,7 +515,7 @@
     </p:spTree>
     <p:extLst>
       <p:ext uri="{BB962C8B-B14F-4D97-AF65-F5344CB8AC3E}">
-        <p14:creationId xmlns:p14="http://schemas.microsoft.com/office/powerpoint/2010/main" val="937769706"/>
+        <p14:creationId xmlns:p14="http://schemas.microsoft.com/office/powerpoint/2010/main" val="2523697161"/>
       </p:ext>
     </p:extLst>
   </p:cSld>
@@ -547,7 +547,7 @@
           <p:cNvPr id="2" name="竖排标题 1">
             <a:extLst>
               <a:ext uri="{FF2B5EF4-FFF2-40B4-BE49-F238E27FC236}">
-                <a16:creationId xmlns:a16="http://schemas.microsoft.com/office/drawing/2014/main" id="{291CAFDC-490F-A525-8A57-1B711516FDDC}"/>
+                <a16:creationId xmlns:a16="http://schemas.microsoft.com/office/drawing/2014/main" id="{F36E7C5F-8E6A-5B86-2311-5CF92AD8A4E9}"/>
               </a:ext>
             </a:extLst>
           </p:cNvPr>
@@ -580,7 +580,7 @@
           <p:cNvPr id="3" name="竖排文字占位符 2">
             <a:extLst>
               <a:ext uri="{FF2B5EF4-FFF2-40B4-BE49-F238E27FC236}">
-                <a16:creationId xmlns:a16="http://schemas.microsoft.com/office/drawing/2014/main" id="{B39732D1-1C8B-E236-D668-3F74D3907DD2}"/>
+                <a16:creationId xmlns:a16="http://schemas.microsoft.com/office/drawing/2014/main" id="{8258A24C-780D-A6CD-35CF-17088D9D81BC}"/>
               </a:ext>
             </a:extLst>
           </p:cNvPr>
@@ -642,7 +642,7 @@
           <p:cNvPr id="4" name="日期占位符 3">
             <a:extLst>
               <a:ext uri="{FF2B5EF4-FFF2-40B4-BE49-F238E27FC236}">
-                <a16:creationId xmlns:a16="http://schemas.microsoft.com/office/drawing/2014/main" id="{22C6613D-41EA-FF42-4C5B-21E004E2FED7}"/>
+                <a16:creationId xmlns:a16="http://schemas.microsoft.com/office/drawing/2014/main" id="{3458A104-C15C-D7A0-55EA-0E24524483EF}"/>
               </a:ext>
             </a:extLst>
           </p:cNvPr>
@@ -658,7 +658,7 @@
           <a:bodyPr/>
           <a:lstStyle/>
           <a:p>
-            <a:fld id="{66C39D47-FC93-4052-8738-7298B57C4706}" type="datetimeFigureOut">
+            <a:fld id="{09E381CD-3741-4989-AEEA-A0AA55D70264}" type="datetimeFigureOut">
               <a:rPr lang="zh-CN" altLang="en-US" smtClean="0"/>
               <a:t>2024/3/10</a:t>
             </a:fld>
@@ -671,7 +671,7 @@
           <p:cNvPr id="5" name="页脚占位符 4">
             <a:extLst>
               <a:ext uri="{FF2B5EF4-FFF2-40B4-BE49-F238E27FC236}">
-                <a16:creationId xmlns:a16="http://schemas.microsoft.com/office/drawing/2014/main" id="{629D706E-0C40-CAC7-BC60-45DED831379D}"/>
+                <a16:creationId xmlns:a16="http://schemas.microsoft.com/office/drawing/2014/main" id="{39BDB086-E6EB-4C3A-1232-33F053304F98}"/>
               </a:ext>
             </a:extLst>
           </p:cNvPr>
@@ -696,7 +696,7 @@
           <p:cNvPr id="6" name="灯片编号占位符 5">
             <a:extLst>
               <a:ext uri="{FF2B5EF4-FFF2-40B4-BE49-F238E27FC236}">
-                <a16:creationId xmlns:a16="http://schemas.microsoft.com/office/drawing/2014/main" id="{C76B68B4-4C6A-7DE8-8CE2-92B277C2789E}"/>
+                <a16:creationId xmlns:a16="http://schemas.microsoft.com/office/drawing/2014/main" id="{A1C54CA6-288C-29FF-555D-9B34A448BAF3}"/>
               </a:ext>
             </a:extLst>
           </p:cNvPr>
@@ -712,7 +712,7 @@
           <a:bodyPr/>
           <a:lstStyle/>
           <a:p>
-            <a:fld id="{F36D8F97-D9C0-40A0-A31F-173269F7339F}" type="slidenum">
+            <a:fld id="{C8886016-0950-4F61-9564-53AA68C8D8D1}" type="slidenum">
               <a:rPr lang="zh-CN" altLang="en-US" smtClean="0"/>
               <a:t>‹#›</a:t>
             </a:fld>
@@ -723,7 +723,7 @@
     </p:spTree>
     <p:extLst>
       <p:ext uri="{BB962C8B-B14F-4D97-AF65-F5344CB8AC3E}">
-        <p14:creationId xmlns:p14="http://schemas.microsoft.com/office/powerpoint/2010/main" val="1025390380"/>
+        <p14:creationId xmlns:p14="http://schemas.microsoft.com/office/powerpoint/2010/main" val="462836243"/>
       </p:ext>
     </p:extLst>
   </p:cSld>
@@ -755,7 +755,7 @@
           <p:cNvPr id="2" name="标题 1">
             <a:extLst>
               <a:ext uri="{FF2B5EF4-FFF2-40B4-BE49-F238E27FC236}">
-                <a16:creationId xmlns:a16="http://schemas.microsoft.com/office/drawing/2014/main" id="{A84E12F8-B430-AE82-BF22-47311E761291}"/>
+                <a16:creationId xmlns:a16="http://schemas.microsoft.com/office/drawing/2014/main" id="{F670BDD4-B42B-2BB6-55C2-FE761A047122}"/>
               </a:ext>
             </a:extLst>
           </p:cNvPr>
@@ -783,7 +783,7 @@
           <p:cNvPr id="3" name="内容占位符 2">
             <a:extLst>
               <a:ext uri="{FF2B5EF4-FFF2-40B4-BE49-F238E27FC236}">
-                <a16:creationId xmlns:a16="http://schemas.microsoft.com/office/drawing/2014/main" id="{5B517CF7-6E48-57B9-B786-0C570C3B5E03}"/>
+                <a16:creationId xmlns:a16="http://schemas.microsoft.com/office/drawing/2014/main" id="{6E8FAC1C-9267-82E0-3880-5FD5C556DE9A}"/>
               </a:ext>
             </a:extLst>
           </p:cNvPr>
@@ -840,7 +840,7 @@
           <p:cNvPr id="4" name="日期占位符 3">
             <a:extLst>
               <a:ext uri="{FF2B5EF4-FFF2-40B4-BE49-F238E27FC236}">
-                <a16:creationId xmlns:a16="http://schemas.microsoft.com/office/drawing/2014/main" id="{6FF795F5-E60E-CBFB-6172-6AD9B04BB435}"/>
+                <a16:creationId xmlns:a16="http://schemas.microsoft.com/office/drawing/2014/main" id="{6DEFD0D1-09F0-8CE2-60B0-7CF09F317BC9}"/>
               </a:ext>
             </a:extLst>
           </p:cNvPr>
@@ -856,7 +856,7 @@
           <a:bodyPr/>
           <a:lstStyle/>
           <a:p>
-            <a:fld id="{66C39D47-FC93-4052-8738-7298B57C4706}" type="datetimeFigureOut">
+            <a:fld id="{09E381CD-3741-4989-AEEA-A0AA55D70264}" type="datetimeFigureOut">
               <a:rPr lang="zh-CN" altLang="en-US" smtClean="0"/>
               <a:t>2024/3/10</a:t>
             </a:fld>
@@ -869,7 +869,7 @@
           <p:cNvPr id="5" name="页脚占位符 4">
             <a:extLst>
               <a:ext uri="{FF2B5EF4-FFF2-40B4-BE49-F238E27FC236}">
-                <a16:creationId xmlns:a16="http://schemas.microsoft.com/office/drawing/2014/main" id="{8E8FA4CD-92D3-C6C4-CE18-F2108C2DDB24}"/>
+                <a16:creationId xmlns:a16="http://schemas.microsoft.com/office/drawing/2014/main" id="{AD4D8A26-F1C6-00A2-2B05-BD33B0FD733D}"/>
               </a:ext>
             </a:extLst>
           </p:cNvPr>
@@ -894,7 +894,7 @@
           <p:cNvPr id="6" name="灯片编号占位符 5">
             <a:extLst>
               <a:ext uri="{FF2B5EF4-FFF2-40B4-BE49-F238E27FC236}">
-                <a16:creationId xmlns:a16="http://schemas.microsoft.com/office/drawing/2014/main" id="{7B3F0B34-B3C9-D403-2698-5663B804621A}"/>
+                <a16:creationId xmlns:a16="http://schemas.microsoft.com/office/drawing/2014/main" id="{91644099-8494-4BBB-C80A-B4E91500F2F2}"/>
               </a:ext>
             </a:extLst>
           </p:cNvPr>
@@ -910,7 +910,7 @@
           <a:bodyPr/>
           <a:lstStyle/>
           <a:p>
-            <a:fld id="{F36D8F97-D9C0-40A0-A31F-173269F7339F}" type="slidenum">
+            <a:fld id="{C8886016-0950-4F61-9564-53AA68C8D8D1}" type="slidenum">
               <a:rPr lang="zh-CN" altLang="en-US" smtClean="0"/>
               <a:t>‹#›</a:t>
             </a:fld>
@@ -921,7 +921,7 @@
     </p:spTree>
     <p:extLst>
       <p:ext uri="{BB962C8B-B14F-4D97-AF65-F5344CB8AC3E}">
-        <p14:creationId xmlns:p14="http://schemas.microsoft.com/office/powerpoint/2010/main" val="1104710328"/>
+        <p14:creationId xmlns:p14="http://schemas.microsoft.com/office/powerpoint/2010/main" val="2450271829"/>
       </p:ext>
     </p:extLst>
   </p:cSld>
@@ -953,7 +953,7 @@
           <p:cNvPr id="2" name="标题 1">
             <a:extLst>
               <a:ext uri="{FF2B5EF4-FFF2-40B4-BE49-F238E27FC236}">
-                <a16:creationId xmlns:a16="http://schemas.microsoft.com/office/drawing/2014/main" id="{503AC21F-C663-5870-F38A-A40A29BFBC77}"/>
+                <a16:creationId xmlns:a16="http://schemas.microsoft.com/office/drawing/2014/main" id="{BC19C934-2A59-05D8-B008-B8F1006EA4FF}"/>
               </a:ext>
             </a:extLst>
           </p:cNvPr>
@@ -990,7 +990,7 @@
           <p:cNvPr id="3" name="文本占位符 2">
             <a:extLst>
               <a:ext uri="{FF2B5EF4-FFF2-40B4-BE49-F238E27FC236}">
-                <a16:creationId xmlns:a16="http://schemas.microsoft.com/office/drawing/2014/main" id="{827B23C9-5E4C-7D29-172F-F2DD9A539F8B}"/>
+                <a16:creationId xmlns:a16="http://schemas.microsoft.com/office/drawing/2014/main" id="{94BBB731-22DE-7851-D762-09777ABA6CEE}"/>
               </a:ext>
             </a:extLst>
           </p:cNvPr>
@@ -1115,7 +1115,7 @@
           <p:cNvPr id="4" name="日期占位符 3">
             <a:extLst>
               <a:ext uri="{FF2B5EF4-FFF2-40B4-BE49-F238E27FC236}">
-                <a16:creationId xmlns:a16="http://schemas.microsoft.com/office/drawing/2014/main" id="{9F2DB640-9AAB-DF51-29D1-AF8CA0EB6C92}"/>
+                <a16:creationId xmlns:a16="http://schemas.microsoft.com/office/drawing/2014/main" id="{3140F00B-5A10-E2BB-8FB2-435A2302EA89}"/>
               </a:ext>
             </a:extLst>
           </p:cNvPr>
@@ -1131,7 +1131,7 @@
           <a:bodyPr/>
           <a:lstStyle/>
           <a:p>
-            <a:fld id="{66C39D47-FC93-4052-8738-7298B57C4706}" type="datetimeFigureOut">
+            <a:fld id="{09E381CD-3741-4989-AEEA-A0AA55D70264}" type="datetimeFigureOut">
               <a:rPr lang="zh-CN" altLang="en-US" smtClean="0"/>
               <a:t>2024/3/10</a:t>
             </a:fld>
@@ -1144,7 +1144,7 @@
           <p:cNvPr id="5" name="页脚占位符 4">
             <a:extLst>
               <a:ext uri="{FF2B5EF4-FFF2-40B4-BE49-F238E27FC236}">
-                <a16:creationId xmlns:a16="http://schemas.microsoft.com/office/drawing/2014/main" id="{42D281F5-307F-0DE6-B3B1-CE747FB41BDE}"/>
+                <a16:creationId xmlns:a16="http://schemas.microsoft.com/office/drawing/2014/main" id="{3F63EB40-3708-E287-D94B-F6BD7EC6DF97}"/>
               </a:ext>
             </a:extLst>
           </p:cNvPr>
@@ -1169,7 +1169,7 @@
           <p:cNvPr id="6" name="灯片编号占位符 5">
             <a:extLst>
               <a:ext uri="{FF2B5EF4-FFF2-40B4-BE49-F238E27FC236}">
-                <a16:creationId xmlns:a16="http://schemas.microsoft.com/office/drawing/2014/main" id="{14186B4B-A807-60ED-EB3C-F4AD20E92AA6}"/>
+                <a16:creationId xmlns:a16="http://schemas.microsoft.com/office/drawing/2014/main" id="{4737F905-215F-0C6A-63F3-12CFD9735170}"/>
               </a:ext>
             </a:extLst>
           </p:cNvPr>
@@ -1185,7 +1185,7 @@
           <a:bodyPr/>
           <a:lstStyle/>
           <a:p>
-            <a:fld id="{F36D8F97-D9C0-40A0-A31F-173269F7339F}" type="slidenum">
+            <a:fld id="{C8886016-0950-4F61-9564-53AA68C8D8D1}" type="slidenum">
               <a:rPr lang="zh-CN" altLang="en-US" smtClean="0"/>
               <a:t>‹#›</a:t>
             </a:fld>
@@ -1196,7 +1196,7 @@
     </p:spTree>
     <p:extLst>
       <p:ext uri="{BB962C8B-B14F-4D97-AF65-F5344CB8AC3E}">
-        <p14:creationId xmlns:p14="http://schemas.microsoft.com/office/powerpoint/2010/main" val="837191295"/>
+        <p14:creationId xmlns:p14="http://schemas.microsoft.com/office/powerpoint/2010/main" val="3995780000"/>
       </p:ext>
     </p:extLst>
   </p:cSld>
@@ -1228,7 +1228,7 @@
           <p:cNvPr id="2" name="标题 1">
             <a:extLst>
               <a:ext uri="{FF2B5EF4-FFF2-40B4-BE49-F238E27FC236}">
-                <a16:creationId xmlns:a16="http://schemas.microsoft.com/office/drawing/2014/main" id="{94C947D9-E02C-0EE8-BCE2-C4FF40EDBFF8}"/>
+                <a16:creationId xmlns:a16="http://schemas.microsoft.com/office/drawing/2014/main" id="{29963187-DD23-DD6D-8335-2A4250EFC00F}"/>
               </a:ext>
             </a:extLst>
           </p:cNvPr>
@@ -1256,7 +1256,7 @@
           <p:cNvPr id="3" name="内容占位符 2">
             <a:extLst>
               <a:ext uri="{FF2B5EF4-FFF2-40B4-BE49-F238E27FC236}">
-                <a16:creationId xmlns:a16="http://schemas.microsoft.com/office/drawing/2014/main" id="{C35A7237-86FD-DB66-76AD-8D24DE86C74F}"/>
+                <a16:creationId xmlns:a16="http://schemas.microsoft.com/office/drawing/2014/main" id="{9BC48E1F-F110-1587-868B-73C0BA436103}"/>
               </a:ext>
             </a:extLst>
           </p:cNvPr>
@@ -1318,7 +1318,7 @@
           <p:cNvPr id="4" name="内容占位符 3">
             <a:extLst>
               <a:ext uri="{FF2B5EF4-FFF2-40B4-BE49-F238E27FC236}">
-                <a16:creationId xmlns:a16="http://schemas.microsoft.com/office/drawing/2014/main" id="{C91EDBBD-21BC-FCE6-B20F-2A929A480347}"/>
+                <a16:creationId xmlns:a16="http://schemas.microsoft.com/office/drawing/2014/main" id="{EE3B7C39-7875-BD17-D5E0-B42D77365123}"/>
               </a:ext>
             </a:extLst>
           </p:cNvPr>
@@ -1380,7 +1380,7 @@
           <p:cNvPr id="5" name="日期占位符 4">
             <a:extLst>
               <a:ext uri="{FF2B5EF4-FFF2-40B4-BE49-F238E27FC236}">
-                <a16:creationId xmlns:a16="http://schemas.microsoft.com/office/drawing/2014/main" id="{8F7F6A2E-D0EA-F6F5-4846-A75FBEE4FD8F}"/>
+                <a16:creationId xmlns:a16="http://schemas.microsoft.com/office/drawing/2014/main" id="{F4C8FB79-DA45-54C1-F89B-44189564013F}"/>
               </a:ext>
             </a:extLst>
           </p:cNvPr>
@@ -1396,7 +1396,7 @@
           <a:bodyPr/>
           <a:lstStyle/>
           <a:p>
-            <a:fld id="{66C39D47-FC93-4052-8738-7298B57C4706}" type="datetimeFigureOut">
+            <a:fld id="{09E381CD-3741-4989-AEEA-A0AA55D70264}" type="datetimeFigureOut">
               <a:rPr lang="zh-CN" altLang="en-US" smtClean="0"/>
               <a:t>2024/3/10</a:t>
             </a:fld>
@@ -1409,7 +1409,7 @@
           <p:cNvPr id="6" name="页脚占位符 5">
             <a:extLst>
               <a:ext uri="{FF2B5EF4-FFF2-40B4-BE49-F238E27FC236}">
-                <a16:creationId xmlns:a16="http://schemas.microsoft.com/office/drawing/2014/main" id="{AE3CA8C8-DDBE-898F-1A64-8532AFA7AE0E}"/>
+                <a16:creationId xmlns:a16="http://schemas.microsoft.com/office/drawing/2014/main" id="{7A0EB2CE-88C2-9C8A-92D5-3A41CBE1D41F}"/>
               </a:ext>
             </a:extLst>
           </p:cNvPr>
@@ -1434,7 +1434,7 @@
           <p:cNvPr id="7" name="灯片编号占位符 6">
             <a:extLst>
               <a:ext uri="{FF2B5EF4-FFF2-40B4-BE49-F238E27FC236}">
-                <a16:creationId xmlns:a16="http://schemas.microsoft.com/office/drawing/2014/main" id="{A0814EFA-30B4-3D69-6E16-D30277727A71}"/>
+                <a16:creationId xmlns:a16="http://schemas.microsoft.com/office/drawing/2014/main" id="{C916844E-536A-8F9D-307B-21A4CD72E8DF}"/>
               </a:ext>
             </a:extLst>
           </p:cNvPr>
@@ -1450,7 +1450,7 @@
           <a:bodyPr/>
           <a:lstStyle/>
           <a:p>
-            <a:fld id="{F36D8F97-D9C0-40A0-A31F-173269F7339F}" type="slidenum">
+            <a:fld id="{C8886016-0950-4F61-9564-53AA68C8D8D1}" type="slidenum">
               <a:rPr lang="zh-CN" altLang="en-US" smtClean="0"/>
               <a:t>‹#›</a:t>
             </a:fld>
@@ -1461,7 +1461,7 @@
     </p:spTree>
     <p:extLst>
       <p:ext uri="{BB962C8B-B14F-4D97-AF65-F5344CB8AC3E}">
-        <p14:creationId xmlns:p14="http://schemas.microsoft.com/office/powerpoint/2010/main" val="995813144"/>
+        <p14:creationId xmlns:p14="http://schemas.microsoft.com/office/powerpoint/2010/main" val="298799673"/>
       </p:ext>
     </p:extLst>
   </p:cSld>
@@ -1493,7 +1493,7 @@
           <p:cNvPr id="2" name="标题 1">
             <a:extLst>
               <a:ext uri="{FF2B5EF4-FFF2-40B4-BE49-F238E27FC236}">
-                <a16:creationId xmlns:a16="http://schemas.microsoft.com/office/drawing/2014/main" id="{C99EEEA2-1DB2-AB80-1C30-0A4C3D68119E}"/>
+                <a16:creationId xmlns:a16="http://schemas.microsoft.com/office/drawing/2014/main" id="{E2A448B6-2F16-8A42-BAFC-81AC8BBC9BA3}"/>
               </a:ext>
             </a:extLst>
           </p:cNvPr>
@@ -1526,7 +1526,7 @@
           <p:cNvPr id="3" name="文本占位符 2">
             <a:extLst>
               <a:ext uri="{FF2B5EF4-FFF2-40B4-BE49-F238E27FC236}">
-                <a16:creationId xmlns:a16="http://schemas.microsoft.com/office/drawing/2014/main" id="{DF454D05-156B-E0E9-97B6-E27E4EAB97CE}"/>
+                <a16:creationId xmlns:a16="http://schemas.microsoft.com/office/drawing/2014/main" id="{04A3BB12-69E8-9B6C-7881-92BCB56E9284}"/>
               </a:ext>
             </a:extLst>
           </p:cNvPr>
@@ -1597,7 +1597,7 @@
           <p:cNvPr id="4" name="内容占位符 3">
             <a:extLst>
               <a:ext uri="{FF2B5EF4-FFF2-40B4-BE49-F238E27FC236}">
-                <a16:creationId xmlns:a16="http://schemas.microsoft.com/office/drawing/2014/main" id="{8D5B3563-E2BF-19CF-12F7-7292B5DB0999}"/>
+                <a16:creationId xmlns:a16="http://schemas.microsoft.com/office/drawing/2014/main" id="{11A15318-BD71-3335-A58C-BEEB6E8A2758}"/>
               </a:ext>
             </a:extLst>
           </p:cNvPr>
@@ -1659,7 +1659,7 @@
           <p:cNvPr id="5" name="文本占位符 4">
             <a:extLst>
               <a:ext uri="{FF2B5EF4-FFF2-40B4-BE49-F238E27FC236}">
-                <a16:creationId xmlns:a16="http://schemas.microsoft.com/office/drawing/2014/main" id="{F18B12D8-AF6E-628E-4879-704EB488BF73}"/>
+                <a16:creationId xmlns:a16="http://schemas.microsoft.com/office/drawing/2014/main" id="{5AD93B81-5729-89BF-1E04-15A1BF1B75D8}"/>
               </a:ext>
             </a:extLst>
           </p:cNvPr>
@@ -1730,7 +1730,7 @@
           <p:cNvPr id="6" name="内容占位符 5">
             <a:extLst>
               <a:ext uri="{FF2B5EF4-FFF2-40B4-BE49-F238E27FC236}">
-                <a16:creationId xmlns:a16="http://schemas.microsoft.com/office/drawing/2014/main" id="{BDFB708D-083B-BEDB-DFC0-FE30F5DAEFD4}"/>
+                <a16:creationId xmlns:a16="http://schemas.microsoft.com/office/drawing/2014/main" id="{C66D66C8-C111-AE88-53F7-F87C460CD800}"/>
               </a:ext>
             </a:extLst>
           </p:cNvPr>
@@ -1792,7 +1792,7 @@
           <p:cNvPr id="7" name="日期占位符 6">
             <a:extLst>
               <a:ext uri="{FF2B5EF4-FFF2-40B4-BE49-F238E27FC236}">
-                <a16:creationId xmlns:a16="http://schemas.microsoft.com/office/drawing/2014/main" id="{BC92918D-3EDD-196A-0C07-D8C7233DD045}"/>
+                <a16:creationId xmlns:a16="http://schemas.microsoft.com/office/drawing/2014/main" id="{6CD91658-DC8D-15C3-5A67-239D4BE794B7}"/>
               </a:ext>
             </a:extLst>
           </p:cNvPr>
@@ -1808,7 +1808,7 @@
           <a:bodyPr/>
           <a:lstStyle/>
           <a:p>
-            <a:fld id="{66C39D47-FC93-4052-8738-7298B57C4706}" type="datetimeFigureOut">
+            <a:fld id="{09E381CD-3741-4989-AEEA-A0AA55D70264}" type="datetimeFigureOut">
               <a:rPr lang="zh-CN" altLang="en-US" smtClean="0"/>
               <a:t>2024/3/10</a:t>
             </a:fld>
@@ -1821,7 +1821,7 @@
           <p:cNvPr id="8" name="页脚占位符 7">
             <a:extLst>
               <a:ext uri="{FF2B5EF4-FFF2-40B4-BE49-F238E27FC236}">
-                <a16:creationId xmlns:a16="http://schemas.microsoft.com/office/drawing/2014/main" id="{2BE58126-B702-64FC-BBE0-25F05B6AD9EE}"/>
+                <a16:creationId xmlns:a16="http://schemas.microsoft.com/office/drawing/2014/main" id="{C2ACF319-C9DB-EEA0-D2BC-842825B0CE11}"/>
               </a:ext>
             </a:extLst>
           </p:cNvPr>
@@ -1846,7 +1846,7 @@
           <p:cNvPr id="9" name="灯片编号占位符 8">
             <a:extLst>
               <a:ext uri="{FF2B5EF4-FFF2-40B4-BE49-F238E27FC236}">
-                <a16:creationId xmlns:a16="http://schemas.microsoft.com/office/drawing/2014/main" id="{5181D73C-1350-18FB-3382-5F0224D63CCA}"/>
+                <a16:creationId xmlns:a16="http://schemas.microsoft.com/office/drawing/2014/main" id="{D27612E5-1A88-B0B7-4D7F-640E5882DFFB}"/>
               </a:ext>
             </a:extLst>
           </p:cNvPr>
@@ -1862,7 +1862,7 @@
           <a:bodyPr/>
           <a:lstStyle/>
           <a:p>
-            <a:fld id="{F36D8F97-D9C0-40A0-A31F-173269F7339F}" type="slidenum">
+            <a:fld id="{C8886016-0950-4F61-9564-53AA68C8D8D1}" type="slidenum">
               <a:rPr lang="zh-CN" altLang="en-US" smtClean="0"/>
               <a:t>‹#›</a:t>
             </a:fld>
@@ -1873,7 +1873,7 @@
     </p:spTree>
     <p:extLst>
       <p:ext uri="{BB962C8B-B14F-4D97-AF65-F5344CB8AC3E}">
-        <p14:creationId xmlns:p14="http://schemas.microsoft.com/office/powerpoint/2010/main" val="3420411086"/>
+        <p14:creationId xmlns:p14="http://schemas.microsoft.com/office/powerpoint/2010/main" val="2958249107"/>
       </p:ext>
     </p:extLst>
   </p:cSld>
@@ -1905,7 +1905,7 @@
           <p:cNvPr id="2" name="标题 1">
             <a:extLst>
               <a:ext uri="{FF2B5EF4-FFF2-40B4-BE49-F238E27FC236}">
-                <a16:creationId xmlns:a16="http://schemas.microsoft.com/office/drawing/2014/main" id="{AC389524-608A-9546-73FF-A44B1B5FE22A}"/>
+                <a16:creationId xmlns:a16="http://schemas.microsoft.com/office/drawing/2014/main" id="{FAFC2BAE-D737-DC4A-F218-E6083A326688}"/>
               </a:ext>
             </a:extLst>
           </p:cNvPr>
@@ -1933,7 +1933,7 @@
           <p:cNvPr id="3" name="日期占位符 2">
             <a:extLst>
               <a:ext uri="{FF2B5EF4-FFF2-40B4-BE49-F238E27FC236}">
-                <a16:creationId xmlns:a16="http://schemas.microsoft.com/office/drawing/2014/main" id="{D71D52A5-34AA-46AC-C612-08A198097320}"/>
+                <a16:creationId xmlns:a16="http://schemas.microsoft.com/office/drawing/2014/main" id="{04A64979-37E2-E7E2-FD67-09E315D3DE11}"/>
               </a:ext>
             </a:extLst>
           </p:cNvPr>
@@ -1949,7 +1949,7 @@
           <a:bodyPr/>
           <a:lstStyle/>
           <a:p>
-            <a:fld id="{66C39D47-FC93-4052-8738-7298B57C4706}" type="datetimeFigureOut">
+            <a:fld id="{09E381CD-3741-4989-AEEA-A0AA55D70264}" type="datetimeFigureOut">
               <a:rPr lang="zh-CN" altLang="en-US" smtClean="0"/>
               <a:t>2024/3/10</a:t>
             </a:fld>
@@ -1962,7 +1962,7 @@
           <p:cNvPr id="4" name="页脚占位符 3">
             <a:extLst>
               <a:ext uri="{FF2B5EF4-FFF2-40B4-BE49-F238E27FC236}">
-                <a16:creationId xmlns:a16="http://schemas.microsoft.com/office/drawing/2014/main" id="{AE48E51C-2FE1-5D6F-E87B-4B20F3F158B7}"/>
+                <a16:creationId xmlns:a16="http://schemas.microsoft.com/office/drawing/2014/main" id="{8695C0F4-811D-1BBF-E159-BD9CF05C7EC3}"/>
               </a:ext>
             </a:extLst>
           </p:cNvPr>
@@ -1987,7 +1987,7 @@
           <p:cNvPr id="5" name="灯片编号占位符 4">
             <a:extLst>
               <a:ext uri="{FF2B5EF4-FFF2-40B4-BE49-F238E27FC236}">
-                <a16:creationId xmlns:a16="http://schemas.microsoft.com/office/drawing/2014/main" id="{E76E06E3-77C9-6FF0-B253-2A313197BF94}"/>
+                <a16:creationId xmlns:a16="http://schemas.microsoft.com/office/drawing/2014/main" id="{6580B4E3-1ACC-6783-EC26-FBE0FBF00F59}"/>
               </a:ext>
             </a:extLst>
           </p:cNvPr>
@@ -2003,7 +2003,7 @@
           <a:bodyPr/>
           <a:lstStyle/>
           <a:p>
-            <a:fld id="{F36D8F97-D9C0-40A0-A31F-173269F7339F}" type="slidenum">
+            <a:fld id="{C8886016-0950-4F61-9564-53AA68C8D8D1}" type="slidenum">
               <a:rPr lang="zh-CN" altLang="en-US" smtClean="0"/>
               <a:t>‹#›</a:t>
             </a:fld>
@@ -2014,7 +2014,7 @@
     </p:spTree>
     <p:extLst>
       <p:ext uri="{BB962C8B-B14F-4D97-AF65-F5344CB8AC3E}">
-        <p14:creationId xmlns:p14="http://schemas.microsoft.com/office/powerpoint/2010/main" val="2723794524"/>
+        <p14:creationId xmlns:p14="http://schemas.microsoft.com/office/powerpoint/2010/main" val="45256820"/>
       </p:ext>
     </p:extLst>
   </p:cSld>
@@ -2046,7 +2046,7 @@
           <p:cNvPr id="2" name="日期占位符 1">
             <a:extLst>
               <a:ext uri="{FF2B5EF4-FFF2-40B4-BE49-F238E27FC236}">
-                <a16:creationId xmlns:a16="http://schemas.microsoft.com/office/drawing/2014/main" id="{040C3BCB-920B-F533-7545-BD2D86912722}"/>
+                <a16:creationId xmlns:a16="http://schemas.microsoft.com/office/drawing/2014/main" id="{04F0CB68-2496-14A7-D4BE-849DCC9E2F5C}"/>
               </a:ext>
             </a:extLst>
           </p:cNvPr>
@@ -2062,7 +2062,7 @@
           <a:bodyPr/>
           <a:lstStyle/>
           <a:p>
-            <a:fld id="{66C39D47-FC93-4052-8738-7298B57C4706}" type="datetimeFigureOut">
+            <a:fld id="{09E381CD-3741-4989-AEEA-A0AA55D70264}" type="datetimeFigureOut">
               <a:rPr lang="zh-CN" altLang="en-US" smtClean="0"/>
               <a:t>2024/3/10</a:t>
             </a:fld>
@@ -2075,7 +2075,7 @@
           <p:cNvPr id="3" name="页脚占位符 2">
             <a:extLst>
               <a:ext uri="{FF2B5EF4-FFF2-40B4-BE49-F238E27FC236}">
-                <a16:creationId xmlns:a16="http://schemas.microsoft.com/office/drawing/2014/main" id="{98C593DC-B684-C011-C892-252190AC0E39}"/>
+                <a16:creationId xmlns:a16="http://schemas.microsoft.com/office/drawing/2014/main" id="{467E03E0-879C-FA45-75B1-DA334E50CD02}"/>
               </a:ext>
             </a:extLst>
           </p:cNvPr>
@@ -2100,7 +2100,7 @@
           <p:cNvPr id="4" name="灯片编号占位符 3">
             <a:extLst>
               <a:ext uri="{FF2B5EF4-FFF2-40B4-BE49-F238E27FC236}">
-                <a16:creationId xmlns:a16="http://schemas.microsoft.com/office/drawing/2014/main" id="{470BB7F4-C784-4763-9F57-871C293D3E03}"/>
+                <a16:creationId xmlns:a16="http://schemas.microsoft.com/office/drawing/2014/main" id="{69DA3559-FF45-5C97-043C-E6ED6F438CA1}"/>
               </a:ext>
             </a:extLst>
           </p:cNvPr>
@@ -2116,7 +2116,7 @@
           <a:bodyPr/>
           <a:lstStyle/>
           <a:p>
-            <a:fld id="{F36D8F97-D9C0-40A0-A31F-173269F7339F}" type="slidenum">
+            <a:fld id="{C8886016-0950-4F61-9564-53AA68C8D8D1}" type="slidenum">
               <a:rPr lang="zh-CN" altLang="en-US" smtClean="0"/>
               <a:t>‹#›</a:t>
             </a:fld>
@@ -2127,7 +2127,7 @@
     </p:spTree>
     <p:extLst>
       <p:ext uri="{BB962C8B-B14F-4D97-AF65-F5344CB8AC3E}">
-        <p14:creationId xmlns:p14="http://schemas.microsoft.com/office/powerpoint/2010/main" val="1490866456"/>
+        <p14:creationId xmlns:p14="http://schemas.microsoft.com/office/powerpoint/2010/main" val="2634585432"/>
       </p:ext>
     </p:extLst>
   </p:cSld>
@@ -2159,7 +2159,7 @@
           <p:cNvPr id="2" name="标题 1">
             <a:extLst>
               <a:ext uri="{FF2B5EF4-FFF2-40B4-BE49-F238E27FC236}">
-                <a16:creationId xmlns:a16="http://schemas.microsoft.com/office/drawing/2014/main" id="{8FB313DB-D784-9B4C-CDAB-58622AE77C82}"/>
+                <a16:creationId xmlns:a16="http://schemas.microsoft.com/office/drawing/2014/main" id="{0CAD4AB4-FD91-8769-544C-C5350EB43A4D}"/>
               </a:ext>
             </a:extLst>
           </p:cNvPr>
@@ -2196,7 +2196,7 @@
           <p:cNvPr id="3" name="内容占位符 2">
             <a:extLst>
               <a:ext uri="{FF2B5EF4-FFF2-40B4-BE49-F238E27FC236}">
-                <a16:creationId xmlns:a16="http://schemas.microsoft.com/office/drawing/2014/main" id="{EFE69F5B-D2A5-634A-EDCD-5F9555BCDDA6}"/>
+                <a16:creationId xmlns:a16="http://schemas.microsoft.com/office/drawing/2014/main" id="{2C792B13-0BED-352A-4208-8FCF77428006}"/>
               </a:ext>
             </a:extLst>
           </p:cNvPr>
@@ -2286,7 +2286,7 @@
           <p:cNvPr id="4" name="文本占位符 3">
             <a:extLst>
               <a:ext uri="{FF2B5EF4-FFF2-40B4-BE49-F238E27FC236}">
-                <a16:creationId xmlns:a16="http://schemas.microsoft.com/office/drawing/2014/main" id="{267BBE3B-3BA3-BB68-E522-BC0DE8C9323C}"/>
+                <a16:creationId xmlns:a16="http://schemas.microsoft.com/office/drawing/2014/main" id="{C4BD30A9-E56A-3AB5-9E2F-660E973B1CCB}"/>
               </a:ext>
             </a:extLst>
           </p:cNvPr>
@@ -2357,7 +2357,7 @@
           <p:cNvPr id="5" name="日期占位符 4">
             <a:extLst>
               <a:ext uri="{FF2B5EF4-FFF2-40B4-BE49-F238E27FC236}">
-                <a16:creationId xmlns:a16="http://schemas.microsoft.com/office/drawing/2014/main" id="{EB839289-377A-58FC-9E29-CC65D0A33DF8}"/>
+                <a16:creationId xmlns:a16="http://schemas.microsoft.com/office/drawing/2014/main" id="{3748D6CC-5AB6-8022-7BB7-00C938F4EAF0}"/>
               </a:ext>
             </a:extLst>
           </p:cNvPr>
@@ -2373,7 +2373,7 @@
           <a:bodyPr/>
           <a:lstStyle/>
           <a:p>
-            <a:fld id="{66C39D47-FC93-4052-8738-7298B57C4706}" type="datetimeFigureOut">
+            <a:fld id="{09E381CD-3741-4989-AEEA-A0AA55D70264}" type="datetimeFigureOut">
               <a:rPr lang="zh-CN" altLang="en-US" smtClean="0"/>
               <a:t>2024/3/10</a:t>
             </a:fld>
@@ -2386,7 +2386,7 @@
           <p:cNvPr id="6" name="页脚占位符 5">
             <a:extLst>
               <a:ext uri="{FF2B5EF4-FFF2-40B4-BE49-F238E27FC236}">
-                <a16:creationId xmlns:a16="http://schemas.microsoft.com/office/drawing/2014/main" id="{83F4F5D7-3050-F5C3-9C44-4BC79213FD59}"/>
+                <a16:creationId xmlns:a16="http://schemas.microsoft.com/office/drawing/2014/main" id="{FCE96875-D3A5-0D28-7EAA-7215EAF946E5}"/>
               </a:ext>
             </a:extLst>
           </p:cNvPr>
@@ -2411,7 +2411,7 @@
           <p:cNvPr id="7" name="灯片编号占位符 6">
             <a:extLst>
               <a:ext uri="{FF2B5EF4-FFF2-40B4-BE49-F238E27FC236}">
-                <a16:creationId xmlns:a16="http://schemas.microsoft.com/office/drawing/2014/main" id="{1655F2D5-DC5C-0664-32AD-3AB10546F637}"/>
+                <a16:creationId xmlns:a16="http://schemas.microsoft.com/office/drawing/2014/main" id="{D6EABDDF-6A93-2AAE-EBCB-6550D50E1EEC}"/>
               </a:ext>
             </a:extLst>
           </p:cNvPr>
@@ -2427,7 +2427,7 @@
           <a:bodyPr/>
           <a:lstStyle/>
           <a:p>
-            <a:fld id="{F36D8F97-D9C0-40A0-A31F-173269F7339F}" type="slidenum">
+            <a:fld id="{C8886016-0950-4F61-9564-53AA68C8D8D1}" type="slidenum">
               <a:rPr lang="zh-CN" altLang="en-US" smtClean="0"/>
               <a:t>‹#›</a:t>
             </a:fld>
@@ -2438,7 +2438,7 @@
     </p:spTree>
     <p:extLst>
       <p:ext uri="{BB962C8B-B14F-4D97-AF65-F5344CB8AC3E}">
-        <p14:creationId xmlns:p14="http://schemas.microsoft.com/office/powerpoint/2010/main" val="3016694127"/>
+        <p14:creationId xmlns:p14="http://schemas.microsoft.com/office/powerpoint/2010/main" val="2600117059"/>
       </p:ext>
     </p:extLst>
   </p:cSld>
@@ -2470,7 +2470,7 @@
           <p:cNvPr id="2" name="标题 1">
             <a:extLst>
               <a:ext uri="{FF2B5EF4-FFF2-40B4-BE49-F238E27FC236}">
-                <a16:creationId xmlns:a16="http://schemas.microsoft.com/office/drawing/2014/main" id="{E8069545-E503-B21A-030C-0AB7896164BC}"/>
+                <a16:creationId xmlns:a16="http://schemas.microsoft.com/office/drawing/2014/main" id="{7056DD29-5EA0-1643-EFF7-0A21569EBC08}"/>
               </a:ext>
             </a:extLst>
           </p:cNvPr>
@@ -2507,7 +2507,7 @@
           <p:cNvPr id="3" name="图片占位符 2">
             <a:extLst>
               <a:ext uri="{FF2B5EF4-FFF2-40B4-BE49-F238E27FC236}">
-                <a16:creationId xmlns:a16="http://schemas.microsoft.com/office/drawing/2014/main" id="{E3E5BCFC-AC68-278C-1C22-7F7C40D40204}"/>
+                <a16:creationId xmlns:a16="http://schemas.microsoft.com/office/drawing/2014/main" id="{72929528-18AA-F821-9E90-1B46ABC0A37A}"/>
               </a:ext>
             </a:extLst>
           </p:cNvPr>
@@ -2574,7 +2574,7 @@
           <p:cNvPr id="4" name="文本占位符 3">
             <a:extLst>
               <a:ext uri="{FF2B5EF4-FFF2-40B4-BE49-F238E27FC236}">
-                <a16:creationId xmlns:a16="http://schemas.microsoft.com/office/drawing/2014/main" id="{9A88B168-0970-7E9D-ADCB-4A225126DBDD}"/>
+                <a16:creationId xmlns:a16="http://schemas.microsoft.com/office/drawing/2014/main" id="{97589F46-6B04-B50D-A2AA-C0BCA1208483}"/>
               </a:ext>
             </a:extLst>
           </p:cNvPr>
@@ -2645,7 +2645,7 @@
           <p:cNvPr id="5" name="日期占位符 4">
             <a:extLst>
               <a:ext uri="{FF2B5EF4-FFF2-40B4-BE49-F238E27FC236}">
-                <a16:creationId xmlns:a16="http://schemas.microsoft.com/office/drawing/2014/main" id="{5BD2D7CA-2A22-D889-66F5-FB8A9BBB5832}"/>
+                <a16:creationId xmlns:a16="http://schemas.microsoft.com/office/drawing/2014/main" id="{C739A648-D1E9-DCAB-4007-04C55AF732A2}"/>
               </a:ext>
             </a:extLst>
           </p:cNvPr>
@@ -2661,7 +2661,7 @@
           <a:bodyPr/>
           <a:lstStyle/>
           <a:p>
-            <a:fld id="{66C39D47-FC93-4052-8738-7298B57C4706}" type="datetimeFigureOut">
+            <a:fld id="{09E381CD-3741-4989-AEEA-A0AA55D70264}" type="datetimeFigureOut">
               <a:rPr lang="zh-CN" altLang="en-US" smtClean="0"/>
               <a:t>2024/3/10</a:t>
             </a:fld>
@@ -2674,7 +2674,7 @@
           <p:cNvPr id="6" name="页脚占位符 5">
             <a:extLst>
               <a:ext uri="{FF2B5EF4-FFF2-40B4-BE49-F238E27FC236}">
-                <a16:creationId xmlns:a16="http://schemas.microsoft.com/office/drawing/2014/main" id="{DB4F96E9-3249-A37E-A560-5AE61A1FF793}"/>
+                <a16:creationId xmlns:a16="http://schemas.microsoft.com/office/drawing/2014/main" id="{0219F564-926D-2AB7-6A82-33F18F0E87EA}"/>
               </a:ext>
             </a:extLst>
           </p:cNvPr>
@@ -2699,7 +2699,7 @@
           <p:cNvPr id="7" name="灯片编号占位符 6">
             <a:extLst>
               <a:ext uri="{FF2B5EF4-FFF2-40B4-BE49-F238E27FC236}">
-                <a16:creationId xmlns:a16="http://schemas.microsoft.com/office/drawing/2014/main" id="{802E4F0B-C594-EE7A-6822-C10DD679E636}"/>
+                <a16:creationId xmlns:a16="http://schemas.microsoft.com/office/drawing/2014/main" id="{D130AE51-0F85-942E-F1B9-D28A95BA6BC2}"/>
               </a:ext>
             </a:extLst>
           </p:cNvPr>
@@ -2715,7 +2715,7 @@
           <a:bodyPr/>
           <a:lstStyle/>
           <a:p>
-            <a:fld id="{F36D8F97-D9C0-40A0-A31F-173269F7339F}" type="slidenum">
+            <a:fld id="{C8886016-0950-4F61-9564-53AA68C8D8D1}" type="slidenum">
               <a:rPr lang="zh-CN" altLang="en-US" smtClean="0"/>
               <a:t>‹#›</a:t>
             </a:fld>
@@ -2726,7 +2726,7 @@
     </p:spTree>
     <p:extLst>
       <p:ext uri="{BB962C8B-B14F-4D97-AF65-F5344CB8AC3E}">
-        <p14:creationId xmlns:p14="http://schemas.microsoft.com/office/powerpoint/2010/main" val="3078927334"/>
+        <p14:creationId xmlns:p14="http://schemas.microsoft.com/office/powerpoint/2010/main" val="1608514024"/>
       </p:ext>
     </p:extLst>
   </p:cSld>
@@ -2763,7 +2763,7 @@
           <p:cNvPr id="2" name="标题占位符 1">
             <a:extLst>
               <a:ext uri="{FF2B5EF4-FFF2-40B4-BE49-F238E27FC236}">
-                <a16:creationId xmlns:a16="http://schemas.microsoft.com/office/drawing/2014/main" id="{38AF0B61-6380-C280-05EC-71E0BD5E85EA}"/>
+                <a16:creationId xmlns:a16="http://schemas.microsoft.com/office/drawing/2014/main" id="{B515C7B9-F5D3-346B-E0CA-DF8DE6D16771}"/>
               </a:ext>
             </a:extLst>
           </p:cNvPr>
@@ -2801,7 +2801,7 @@
           <p:cNvPr id="3" name="文本占位符 2">
             <a:extLst>
               <a:ext uri="{FF2B5EF4-FFF2-40B4-BE49-F238E27FC236}">
-                <a16:creationId xmlns:a16="http://schemas.microsoft.com/office/drawing/2014/main" id="{FB77CB8C-2673-7F44-1F00-8A78D2C86C6D}"/>
+                <a16:creationId xmlns:a16="http://schemas.microsoft.com/office/drawing/2014/main" id="{B51EE61D-B21D-8BA0-5578-B3C5192DBB79}"/>
               </a:ext>
             </a:extLst>
           </p:cNvPr>
@@ -2868,7 +2868,7 @@
           <p:cNvPr id="4" name="日期占位符 3">
             <a:extLst>
               <a:ext uri="{FF2B5EF4-FFF2-40B4-BE49-F238E27FC236}">
-                <a16:creationId xmlns:a16="http://schemas.microsoft.com/office/drawing/2014/main" id="{A5F26F69-B373-BAF5-BD59-6D30B8D003D2}"/>
+                <a16:creationId xmlns:a16="http://schemas.microsoft.com/office/drawing/2014/main" id="{2D814C5D-E4DA-0F87-1DF3-22EDC6F2FC38}"/>
               </a:ext>
             </a:extLst>
           </p:cNvPr>
@@ -2902,7 +2902,7 @@
             </a:lvl1pPr>
           </a:lstStyle>
           <a:p>
-            <a:fld id="{66C39D47-FC93-4052-8738-7298B57C4706}" type="datetimeFigureOut">
+            <a:fld id="{09E381CD-3741-4989-AEEA-A0AA55D70264}" type="datetimeFigureOut">
               <a:rPr lang="zh-CN" altLang="en-US" smtClean="0"/>
               <a:t>2024/3/10</a:t>
             </a:fld>
@@ -2915,7 +2915,7 @@
           <p:cNvPr id="5" name="页脚占位符 4">
             <a:extLst>
               <a:ext uri="{FF2B5EF4-FFF2-40B4-BE49-F238E27FC236}">
-                <a16:creationId xmlns:a16="http://schemas.microsoft.com/office/drawing/2014/main" id="{F7BE5645-1813-223A-4A99-DABA11B74318}"/>
+                <a16:creationId xmlns:a16="http://schemas.microsoft.com/office/drawing/2014/main" id="{8F4164B9-A369-C3D9-4FFA-C2B14EB20593}"/>
               </a:ext>
             </a:extLst>
           </p:cNvPr>
@@ -2958,7 +2958,7 @@
           <p:cNvPr id="6" name="灯片编号占位符 5">
             <a:extLst>
               <a:ext uri="{FF2B5EF4-FFF2-40B4-BE49-F238E27FC236}">
-                <a16:creationId xmlns:a16="http://schemas.microsoft.com/office/drawing/2014/main" id="{4A918953-3EB8-2A85-21AC-F2D1ACB5CA3E}"/>
+                <a16:creationId xmlns:a16="http://schemas.microsoft.com/office/drawing/2014/main" id="{DBE17ACB-CB8E-4AF8-6030-5989235327D6}"/>
               </a:ext>
             </a:extLst>
           </p:cNvPr>
@@ -2992,7 +2992,7 @@
             </a:lvl1pPr>
           </a:lstStyle>
           <a:p>
-            <a:fld id="{F36D8F97-D9C0-40A0-A31F-173269F7339F}" type="slidenum">
+            <a:fld id="{C8886016-0950-4F61-9564-53AA68C8D8D1}" type="slidenum">
               <a:rPr lang="zh-CN" altLang="en-US" smtClean="0"/>
               <a:t>‹#›</a:t>
             </a:fld>
@@ -3003,7 +3003,7 @@
     </p:spTree>
     <p:extLst>
       <p:ext uri="{BB962C8B-B14F-4D97-AF65-F5344CB8AC3E}">
-        <p14:creationId xmlns:p14="http://schemas.microsoft.com/office/powerpoint/2010/main" val="2235794790"/>
+        <p14:creationId xmlns:p14="http://schemas.microsoft.com/office/powerpoint/2010/main" val="2393777680"/>
       </p:ext>
     </p:extLst>
   </p:cSld>
@@ -3323,7 +3323,7 @@
       </p:grpSpPr>
       <p:pic>
         <p:nvPicPr>
-          <p:cNvPr id="509954" name="Picture 2" descr="497"/>
+          <p:cNvPr id="510978" name="Picture 2" descr="498"/>
           <p:cNvPicPr>
             <a:picLocks noChangeAspect="1" noChangeArrowheads="1"/>
           </p:cNvPicPr>
@@ -3345,7 +3345,7 @@
         <p:spPr bwMode="auto">
           <a:xfrm>
             <a:off x="1524000" y="0"/>
-            <a:ext cx="9144000" cy="6858000"/>
+            <a:ext cx="9144000" cy="6165850"/>
           </a:xfrm>
           <a:prstGeom prst="rect">
             <a:avLst/>
